--- a/docs/diagrams/StorageComponentClassDiagram.pptx
+++ b/docs/diagrams/StorageComponentClassDiagram.pptx
@@ -107,6 +107,22 @@
       </a:defRPr>
     </a:lvl9pPr>
   </p:defaultTextStyle>
+  <p:extLst>
+    <p:ext uri="{EFAFB233-063F-42B5-8137-9DF3F51BA10A}">
+      <p15:sldGuideLst xmlns:p15="http://schemas.microsoft.com/office/powerpoint/2012/main">
+        <p15:guide id="1" orient="horz" pos="1488">
+          <p15:clr>
+            <a:srgbClr val="A4A3A4"/>
+          </p15:clr>
+        </p15:guide>
+        <p15:guide id="2" pos="2880">
+          <p15:clr>
+            <a:srgbClr val="A4A3A4"/>
+          </p15:clr>
+        </p15:guide>
+      </p15:sldGuideLst>
+    </p:ext>
+  </p:extLst>
 </p:presentation>
 </file>
 
@@ -192,7 +208,7 @@
           <a:p>
             <a:fld id="{F5CC4B3F-88C1-4FFA-B1B6-F41C21DC6924}" type="datetimeFigureOut">
               <a:rPr lang="en-US" smtClean="0"/>
-              <a:t>10/16/2016</a:t>
+              <a:t>11/6/2018</a:t>
             </a:fld>
             <a:endParaRPr lang="en-US"/>
           </a:p>
@@ -641,7 +657,7 @@
           <a:p>
             <a:fld id="{78C97017-6FC3-485B-9764-EAC9E56C1D49}" type="datetimeFigureOut">
               <a:rPr lang="en-US" smtClean="0"/>
-              <a:t>10/16/2016</a:t>
+              <a:t>11/6/2018</a:t>
             </a:fld>
             <a:endParaRPr lang="en-US"/>
           </a:p>
@@ -811,7 +827,7 @@
           <a:p>
             <a:fld id="{78C97017-6FC3-485B-9764-EAC9E56C1D49}" type="datetimeFigureOut">
               <a:rPr lang="en-US" smtClean="0"/>
-              <a:t>10/16/2016</a:t>
+              <a:t>11/6/2018</a:t>
             </a:fld>
             <a:endParaRPr lang="en-US"/>
           </a:p>
@@ -991,7 +1007,7 @@
           <a:p>
             <a:fld id="{78C97017-6FC3-485B-9764-EAC9E56C1D49}" type="datetimeFigureOut">
               <a:rPr lang="en-US" smtClean="0"/>
-              <a:t>10/16/2016</a:t>
+              <a:t>11/6/2018</a:t>
             </a:fld>
             <a:endParaRPr lang="en-US"/>
           </a:p>
@@ -1161,7 +1177,7 @@
           <a:p>
             <a:fld id="{78C97017-6FC3-485B-9764-EAC9E56C1D49}" type="datetimeFigureOut">
               <a:rPr lang="en-US" smtClean="0"/>
-              <a:t>10/16/2016</a:t>
+              <a:t>11/6/2018</a:t>
             </a:fld>
             <a:endParaRPr lang="en-US"/>
           </a:p>
@@ -1407,7 +1423,7 @@
           <a:p>
             <a:fld id="{78C97017-6FC3-485B-9764-EAC9E56C1D49}" type="datetimeFigureOut">
               <a:rPr lang="en-US" smtClean="0"/>
-              <a:t>10/16/2016</a:t>
+              <a:t>11/6/2018</a:t>
             </a:fld>
             <a:endParaRPr lang="en-US"/>
           </a:p>
@@ -1695,7 +1711,7 @@
           <a:p>
             <a:fld id="{78C97017-6FC3-485B-9764-EAC9E56C1D49}" type="datetimeFigureOut">
               <a:rPr lang="en-US" smtClean="0"/>
-              <a:t>10/16/2016</a:t>
+              <a:t>11/6/2018</a:t>
             </a:fld>
             <a:endParaRPr lang="en-US"/>
           </a:p>
@@ -2117,7 +2133,7 @@
           <a:p>
             <a:fld id="{78C97017-6FC3-485B-9764-EAC9E56C1D49}" type="datetimeFigureOut">
               <a:rPr lang="en-US" smtClean="0"/>
-              <a:t>10/16/2016</a:t>
+              <a:t>11/6/2018</a:t>
             </a:fld>
             <a:endParaRPr lang="en-US"/>
           </a:p>
@@ -2235,7 +2251,7 @@
           <a:p>
             <a:fld id="{78C97017-6FC3-485B-9764-EAC9E56C1D49}" type="datetimeFigureOut">
               <a:rPr lang="en-US" smtClean="0"/>
-              <a:t>10/16/2016</a:t>
+              <a:t>11/6/2018</a:t>
             </a:fld>
             <a:endParaRPr lang="en-US"/>
           </a:p>
@@ -2330,7 +2346,7 @@
           <a:p>
             <a:fld id="{78C97017-6FC3-485B-9764-EAC9E56C1D49}" type="datetimeFigureOut">
               <a:rPr lang="en-US" smtClean="0"/>
-              <a:t>10/16/2016</a:t>
+              <a:t>11/6/2018</a:t>
             </a:fld>
             <a:endParaRPr lang="en-US"/>
           </a:p>
@@ -2607,7 +2623,7 @@
           <a:p>
             <a:fld id="{78C97017-6FC3-485B-9764-EAC9E56C1D49}" type="datetimeFigureOut">
               <a:rPr lang="en-US" smtClean="0"/>
-              <a:t>10/16/2016</a:t>
+              <a:t>11/6/2018</a:t>
             </a:fld>
             <a:endParaRPr lang="en-US"/>
           </a:p>
@@ -2860,7 +2876,7 @@
           <a:p>
             <a:fld id="{78C97017-6FC3-485B-9764-EAC9E56C1D49}" type="datetimeFigureOut">
               <a:rPr lang="en-US" smtClean="0"/>
-              <a:t>10/16/2016</a:t>
+              <a:t>11/6/2018</a:t>
             </a:fld>
             <a:endParaRPr lang="en-US"/>
           </a:p>
@@ -3073,7 +3089,7 @@
           <a:p>
             <a:fld id="{78C97017-6FC3-485B-9764-EAC9E56C1D49}" type="datetimeFigureOut">
               <a:rPr lang="en-US" smtClean="0"/>
-              <a:t>10/16/2016</a:t>
+              <a:t>11/6/2018</a:t>
             </a:fld>
             <a:endParaRPr lang="en-US"/>
           </a:p>
@@ -3456,8 +3472,8 @@
         </p:nvSpPr>
         <p:spPr>
           <a:xfrm>
-            <a:off x="1119865" y="2086382"/>
-            <a:ext cx="7871735" cy="1723618"/>
+            <a:off x="594360" y="228600"/>
+            <a:ext cx="8321040" cy="4695418"/>
           </a:xfrm>
           <a:prstGeom prst="roundRect">
             <a:avLst>
@@ -3501,7 +3517,7 @@
                   </a:schemeClr>
                 </a:solidFill>
               </a:rPr>
-              <a:t>Storage</a:t>
+              <a:t>Storage </a:t>
             </a:r>
             <a:endParaRPr lang="en-SG" sz="1200" b="1" dirty="0">
               <a:solidFill>
@@ -3521,7 +3537,7 @@
         </p:nvSpPr>
         <p:spPr>
           <a:xfrm>
-            <a:off x="2877180" y="3158440"/>
+            <a:off x="2366915" y="1175270"/>
             <a:ext cx="1323049" cy="346760"/>
           </a:xfrm>
           <a:prstGeom prst="rect">
@@ -3599,8 +3615,8 @@
         </p:nvSpPr>
         <p:spPr>
           <a:xfrm rot="16200000">
-            <a:off x="1683963" y="2868687"/>
-            <a:ext cx="1093635" cy="346760"/>
+            <a:off x="484615" y="1699988"/>
+            <a:ext cx="2471801" cy="346760"/>
           </a:xfrm>
           <a:prstGeom prst="rect">
             <a:avLst/>
@@ -3662,7 +3678,7 @@
         </p:nvSpPr>
         <p:spPr>
           <a:xfrm rot="16200000">
-            <a:off x="956202" y="2861202"/>
+            <a:off x="445937" y="1003420"/>
             <a:ext cx="1093635" cy="346760"/>
           </a:xfrm>
           <a:prstGeom prst="rect">
@@ -3736,7 +3752,7 @@
         </p:nvSpPr>
         <p:spPr>
           <a:xfrm rot="16200000">
-            <a:off x="1626910" y="2952291"/>
+            <a:off x="1116645" y="1094509"/>
             <a:ext cx="270504" cy="175523"/>
           </a:xfrm>
           <a:prstGeom prst="triangle">
@@ -3794,7 +3810,7 @@
         </p:nvCxnSpPr>
         <p:spPr>
           <a:xfrm>
-            <a:off x="2656370" y="3326536"/>
+            <a:off x="2146105" y="1343366"/>
             <a:ext cx="220810" cy="5284"/>
           </a:xfrm>
           <a:prstGeom prst="straightConnector1">
@@ -3834,7 +3850,7 @@
         </p:nvCxnSpPr>
         <p:spPr>
           <a:xfrm>
-            <a:off x="910091" y="3040053"/>
+            <a:off x="399826" y="1182271"/>
             <a:ext cx="419548" cy="2860"/>
           </a:xfrm>
           <a:prstGeom prst="bentConnector3">
@@ -3879,7 +3895,7 @@
         </p:nvCxnSpPr>
         <p:spPr>
           <a:xfrm flipV="1">
-            <a:off x="1849924" y="3040052"/>
+            <a:off x="1339659" y="1182270"/>
             <a:ext cx="216105" cy="1"/>
           </a:xfrm>
           <a:prstGeom prst="line">
@@ -3920,7 +3936,7 @@
         </p:nvSpPr>
         <p:spPr>
           <a:xfrm>
-            <a:off x="2420322" y="3239846"/>
+            <a:off x="1910057" y="1256676"/>
             <a:ext cx="236048" cy="173380"/>
           </a:xfrm>
           <a:prstGeom prst="flowChartDecision">
@@ -3974,7 +3990,7 @@
         </p:nvCxnSpPr>
         <p:spPr>
           <a:xfrm flipV="1">
-            <a:off x="4398041" y="3331820"/>
+            <a:off x="3887776" y="1348650"/>
             <a:ext cx="223324" cy="1"/>
           </a:xfrm>
           <a:prstGeom prst="bentConnector3">
@@ -4017,7 +4033,7 @@
         </p:nvSpPr>
         <p:spPr>
           <a:xfrm rot="5400000" flipV="1">
-            <a:off x="4175027" y="3244059"/>
+            <a:off x="3664762" y="1260889"/>
             <a:ext cx="270504" cy="175523"/>
           </a:xfrm>
           <a:prstGeom prst="triangle">
@@ -4075,7 +4091,7 @@
         </p:nvCxnSpPr>
         <p:spPr>
           <a:xfrm>
-            <a:off x="5791200" y="3331820"/>
+            <a:off x="5280935" y="1348650"/>
             <a:ext cx="228600" cy="1970"/>
           </a:xfrm>
           <a:prstGeom prst="bentConnector3">
@@ -4118,7 +4134,7 @@
         </p:nvSpPr>
         <p:spPr>
           <a:xfrm>
-            <a:off x="4621365" y="3158440"/>
+            <a:off x="4111100" y="1175270"/>
             <a:ext cx="1169835" cy="346760"/>
           </a:xfrm>
           <a:prstGeom prst="rect">
@@ -4203,7 +4219,7 @@
         </p:nvSpPr>
         <p:spPr>
           <a:xfrm>
-            <a:off x="2873943" y="2558040"/>
+            <a:off x="2363678" y="700258"/>
             <a:ext cx="1323049" cy="346760"/>
           </a:xfrm>
           <a:prstGeom prst="rect">
@@ -4284,7 +4300,7 @@
         </p:nvCxnSpPr>
         <p:spPr>
           <a:xfrm>
-            <a:off x="2653133" y="2726136"/>
+            <a:off x="2142868" y="868354"/>
             <a:ext cx="220810" cy="5284"/>
           </a:xfrm>
           <a:prstGeom prst="straightConnector1">
@@ -4324,7 +4340,7 @@
         </p:nvSpPr>
         <p:spPr>
           <a:xfrm>
-            <a:off x="2417085" y="2639446"/>
+            <a:off x="1906820" y="781664"/>
             <a:ext cx="236048" cy="173380"/>
           </a:xfrm>
           <a:prstGeom prst="flowChartDecision">
@@ -4378,7 +4394,7 @@
         </p:nvCxnSpPr>
         <p:spPr>
           <a:xfrm flipV="1">
-            <a:off x="4394804" y="2731420"/>
+            <a:off x="3884539" y="873638"/>
             <a:ext cx="223324" cy="1"/>
           </a:xfrm>
           <a:prstGeom prst="bentConnector3">
@@ -4421,7 +4437,7 @@
         </p:nvSpPr>
         <p:spPr>
           <a:xfrm rot="5400000" flipV="1">
-            <a:off x="4171790" y="2643659"/>
+            <a:off x="3661525" y="785877"/>
             <a:ext cx="270504" cy="175523"/>
           </a:xfrm>
           <a:prstGeom prst="triangle">
@@ -4476,7 +4492,7 @@
         </p:nvSpPr>
         <p:spPr>
           <a:xfrm>
-            <a:off x="4618128" y="2558040"/>
+            <a:off x="4107863" y="700258"/>
             <a:ext cx="1093635" cy="346760"/>
           </a:xfrm>
           <a:prstGeom prst="rect">
@@ -4562,7 +4578,7 @@
         </p:nvSpPr>
         <p:spPr>
           <a:xfrm>
-            <a:off x="6019800" y="3160410"/>
+            <a:off x="5509535" y="1177240"/>
             <a:ext cx="1200707" cy="346760"/>
           </a:xfrm>
           <a:prstGeom prst="rect">
@@ -4650,7 +4666,7 @@
         </p:nvCxnSpPr>
         <p:spPr>
           <a:xfrm rot="5400000" flipH="1" flipV="1">
-            <a:off x="8077993" y="2992020"/>
+            <a:off x="7579307" y="1008850"/>
             <a:ext cx="335208" cy="12700"/>
           </a:xfrm>
           <a:prstGeom prst="bentConnector3">
@@ -4688,8 +4704,8 @@
         </p:nvSpPr>
         <p:spPr>
           <a:xfrm>
-            <a:off x="7615738" y="2477656"/>
-            <a:ext cx="1259718" cy="346760"/>
+            <a:off x="7105472" y="494486"/>
+            <a:ext cx="1282877" cy="346760"/>
           </a:xfrm>
           <a:prstGeom prst="rect">
             <a:avLst/>
@@ -4744,8 +4760,8 @@
         </p:nvSpPr>
         <p:spPr>
           <a:xfrm>
-            <a:off x="7615738" y="3159624"/>
-            <a:ext cx="1259718" cy="346760"/>
+            <a:off x="7105472" y="1176454"/>
+            <a:ext cx="1282877" cy="346760"/>
           </a:xfrm>
           <a:prstGeom prst="rect">
             <a:avLst/>
@@ -4803,8 +4819,2399 @@
         </p:nvCxnSpPr>
         <p:spPr>
           <a:xfrm flipV="1">
-            <a:off x="7220507" y="3333004"/>
+            <a:off x="6710242" y="1349834"/>
+            <a:ext cx="395230" cy="786"/>
+          </a:xfrm>
+          <a:prstGeom prst="bentConnector3">
+            <a:avLst>
+              <a:gd name="adj1" fmla="val 50000"/>
+            </a:avLst>
+          </a:prstGeom>
+          <a:ln w="19050">
+            <a:prstDash val="sysDot"/>
+            <a:headEnd type="none" w="med" len="med"/>
+            <a:tailEnd type="arrow" w="med" len="med"/>
+          </a:ln>
+          <a:effectLst/>
+        </p:spPr>
+        <p:style>
+          <a:lnRef idx="1">
+            <a:schemeClr val="accent6"/>
+          </a:lnRef>
+          <a:fillRef idx="2">
+            <a:schemeClr val="accent6"/>
+          </a:fillRef>
+          <a:effectRef idx="1">
+            <a:schemeClr val="accent6"/>
+          </a:effectRef>
+          <a:fontRef idx="minor">
+            <a:schemeClr val="dk1"/>
+          </a:fontRef>
+        </p:style>
+      </p:cxnSp>
+      <p:sp>
+        <p:nvSpPr>
+          <p:cNvPr id="26" name="Rectangle 62"/>
+          <p:cNvSpPr/>
+          <p:nvPr/>
+        </p:nvSpPr>
+        <p:spPr>
+          <a:xfrm>
+            <a:off x="1192365" y="3753082"/>
+            <a:ext cx="1093635" cy="346760"/>
+          </a:xfrm>
+          <a:prstGeom prst="rect">
+            <a:avLst/>
+          </a:prstGeom>
+          <a:solidFill>
+            <a:schemeClr val="accent6">
+              <a:lumMod val="75000"/>
+            </a:schemeClr>
+          </a:solidFill>
+          <a:ln w="19050">
+            <a:solidFill>
+              <a:schemeClr val="accent6">
+                <a:lumMod val="75000"/>
+              </a:schemeClr>
+            </a:solidFill>
+          </a:ln>
+          <a:effectLst/>
+        </p:spPr>
+        <p:style>
+          <a:lnRef idx="1">
+            <a:schemeClr val="accent2"/>
+          </a:lnRef>
+          <a:fillRef idx="2">
+            <a:schemeClr val="accent2"/>
+          </a:fillRef>
+          <a:effectRef idx="1">
+            <a:schemeClr val="accent2"/>
+          </a:effectRef>
+          <a:fontRef idx="minor">
+            <a:schemeClr val="dk1"/>
+          </a:fontRef>
+        </p:style>
+        <p:txBody>
+          <a:bodyPr rtlCol="0" anchor="ctr"/>
+          <a:lstStyle/>
+          <a:p>
+            <a:pPr algn="ctr"/>
+            <a:r>
+              <a:rPr lang="en-US" sz="1050" dirty="0" err="1" smtClean="0">
+                <a:solidFill>
+                  <a:schemeClr val="bg1"/>
+                </a:solidFill>
+              </a:rPr>
+              <a:t>GithubStorage</a:t>
+            </a:r>
+            <a:endParaRPr lang="en-SG" sz="1050" dirty="0">
+              <a:solidFill>
+                <a:schemeClr val="bg1"/>
+              </a:solidFill>
+            </a:endParaRPr>
+          </a:p>
+        </p:txBody>
+      </p:sp>
+      <p:sp>
+        <p:nvSpPr>
+          <p:cNvPr id="27" name="Rectangle 62"/>
+          <p:cNvSpPr/>
+          <p:nvPr/>
+        </p:nvSpPr>
+        <p:spPr>
+          <a:xfrm>
+            <a:off x="2819400" y="3768040"/>
+            <a:ext cx="1093635" cy="346760"/>
+          </a:xfrm>
+          <a:prstGeom prst="rect">
+            <a:avLst/>
+          </a:prstGeom>
+          <a:solidFill>
+            <a:schemeClr val="accent6">
+              <a:lumMod val="75000"/>
+            </a:schemeClr>
+          </a:solidFill>
+          <a:ln w="19050">
+            <a:solidFill>
+              <a:schemeClr val="accent6">
+                <a:lumMod val="75000"/>
+              </a:schemeClr>
+            </a:solidFill>
+          </a:ln>
+          <a:effectLst/>
+        </p:spPr>
+        <p:style>
+          <a:lnRef idx="1">
+            <a:schemeClr val="accent2"/>
+          </a:lnRef>
+          <a:fillRef idx="2">
+            <a:schemeClr val="accent2"/>
+          </a:fillRef>
+          <a:effectRef idx="1">
+            <a:schemeClr val="accent2"/>
+          </a:effectRef>
+          <a:fontRef idx="minor">
+            <a:schemeClr val="dk1"/>
+          </a:fontRef>
+        </p:style>
+        <p:txBody>
+          <a:bodyPr rtlCol="0" anchor="ctr"/>
+          <a:lstStyle/>
+          <a:p>
+            <a:pPr algn="ctr"/>
+            <a:r>
+              <a:rPr lang="en-US" sz="1050" dirty="0">
+                <a:solidFill>
+                  <a:schemeClr val="bg1"/>
+                </a:solidFill>
+              </a:rPr>
+              <a:t>&lt;&lt;interface&gt;&gt;</a:t>
+            </a:r>
+          </a:p>
+          <a:p>
+            <a:pPr algn="ctr"/>
+            <a:r>
+              <a:rPr lang="en-US" sz="1050" dirty="0" err="1" smtClean="0">
+                <a:solidFill>
+                  <a:schemeClr val="bg1"/>
+                </a:solidFill>
+              </a:rPr>
+              <a:t>OnlineStorage</a:t>
+            </a:r>
+            <a:endParaRPr lang="en-SG" sz="1050" dirty="0">
+              <a:solidFill>
+                <a:schemeClr val="bg1"/>
+              </a:solidFill>
+            </a:endParaRPr>
+          </a:p>
+        </p:txBody>
+      </p:sp>
+      <p:cxnSp>
+        <p:nvCxnSpPr>
+          <p:cNvPr id="28" name="Straight Connector 27"/>
+          <p:cNvCxnSpPr/>
+          <p:nvPr/>
+        </p:nvCxnSpPr>
+        <p:spPr>
+          <a:xfrm flipV="1">
+            <a:off x="1492059" y="1334670"/>
+            <a:ext cx="216105" cy="1"/>
+          </a:xfrm>
+          <a:prstGeom prst="line">
+            <a:avLst/>
+          </a:prstGeom>
+          <a:ln w="19050">
+            <a:solidFill>
+              <a:schemeClr val="accent6">
+                <a:lumMod val="75000"/>
+              </a:schemeClr>
+            </a:solidFill>
+            <a:prstDash val="sysDot"/>
+            <a:headEnd type="none" w="med" len="med"/>
+            <a:tailEnd type="none" w="med" len="med"/>
+          </a:ln>
+          <a:effectLst/>
+        </p:spPr>
+        <p:style>
+          <a:lnRef idx="1">
+            <a:schemeClr val="accent2"/>
+          </a:lnRef>
+          <a:fillRef idx="2">
+            <a:schemeClr val="accent2"/>
+          </a:fillRef>
+          <a:effectRef idx="1">
+            <a:schemeClr val="accent2"/>
+          </a:effectRef>
+          <a:fontRef idx="minor">
+            <a:schemeClr val="dk1"/>
+          </a:fontRef>
+        </p:style>
+      </p:cxnSp>
+      <p:sp>
+        <p:nvSpPr>
+          <p:cNvPr id="32" name="Isosceles Triangle 102"/>
+          <p:cNvSpPr/>
+          <p:nvPr/>
+        </p:nvSpPr>
+        <p:spPr>
+          <a:xfrm rot="5400000">
+            <a:off x="2594354" y="3836290"/>
+            <a:ext cx="270504" cy="175523"/>
+          </a:xfrm>
+          <a:prstGeom prst="triangle">
+            <a:avLst/>
+          </a:prstGeom>
+          <a:solidFill>
+            <a:schemeClr val="accent6">
+              <a:lumMod val="75000"/>
+            </a:schemeClr>
+          </a:solidFill>
+          <a:ln w="19050">
+            <a:solidFill>
+              <a:schemeClr val="accent6">
+                <a:lumMod val="75000"/>
+              </a:schemeClr>
+            </a:solidFill>
+          </a:ln>
+          <a:effectLst/>
+        </p:spPr>
+        <p:style>
+          <a:lnRef idx="1">
+            <a:schemeClr val="accent2"/>
+          </a:lnRef>
+          <a:fillRef idx="2">
+            <a:schemeClr val="accent2"/>
+          </a:fillRef>
+          <a:effectRef idx="1">
+            <a:schemeClr val="accent2"/>
+          </a:effectRef>
+          <a:fontRef idx="minor">
+            <a:schemeClr val="dk1"/>
+          </a:fontRef>
+        </p:style>
+        <p:txBody>
+          <a:bodyPr rtlCol="0" anchor="ctr"/>
+          <a:lstStyle/>
+          <a:p>
+            <a:pPr algn="ctr"/>
+            <a:endParaRPr lang="en-SG" sz="1050">
+              <a:solidFill>
+                <a:schemeClr val="bg1"/>
+              </a:solidFill>
+            </a:endParaRPr>
+          </a:p>
+        </p:txBody>
+      </p:sp>
+      <p:cxnSp>
+        <p:nvCxnSpPr>
+          <p:cNvPr id="33" name="Straight Connector 32"/>
+          <p:cNvCxnSpPr>
+            <a:stCxn id="32" idx="3"/>
+            <a:endCxn id="26" idx="3"/>
+          </p:cNvCxnSpPr>
+          <p:nvPr/>
+        </p:nvCxnSpPr>
+        <p:spPr>
+          <a:xfrm flipH="1">
+            <a:off x="2286000" y="3924052"/>
+            <a:ext cx="355845" cy="2410"/>
+          </a:xfrm>
+          <a:prstGeom prst="line">
+            <a:avLst/>
+          </a:prstGeom>
+          <a:ln w="19050">
+            <a:solidFill>
+              <a:schemeClr val="accent6">
+                <a:lumMod val="75000"/>
+              </a:schemeClr>
+            </a:solidFill>
+            <a:prstDash val="sysDot"/>
+            <a:headEnd type="none" w="med" len="med"/>
+            <a:tailEnd type="none" w="med" len="med"/>
+          </a:ln>
+          <a:effectLst/>
+        </p:spPr>
+        <p:style>
+          <a:lnRef idx="1">
+            <a:schemeClr val="accent2"/>
+          </a:lnRef>
+          <a:fillRef idx="2">
+            <a:schemeClr val="accent2"/>
+          </a:fillRef>
+          <a:effectRef idx="1">
+            <a:schemeClr val="accent2"/>
+          </a:effectRef>
+          <a:fontRef idx="minor">
+            <a:schemeClr val="dk1"/>
+          </a:fontRef>
+        </p:style>
+      </p:cxnSp>
+      <p:cxnSp>
+        <p:nvCxnSpPr>
+          <p:cNvPr id="34" name="Straight Arrow Connector 33"/>
+          <p:cNvCxnSpPr>
+            <a:stCxn id="35" idx="3"/>
+            <a:endCxn id="26" idx="0"/>
+          </p:cNvCxnSpPr>
+          <p:nvPr/>
+        </p:nvCxnSpPr>
+        <p:spPr>
+          <a:xfrm flipH="1">
+            <a:off x="1739183" y="3345315"/>
+            <a:ext cx="2991" cy="407767"/>
+          </a:xfrm>
+          <a:prstGeom prst="straightConnector1">
+            <a:avLst/>
+          </a:prstGeom>
+          <a:ln w="19050">
+            <a:solidFill>
+              <a:schemeClr val="accent6">
+                <a:lumMod val="75000"/>
+              </a:schemeClr>
+            </a:solidFill>
+            <a:headEnd type="none" w="med" len="med"/>
+            <a:tailEnd type="arrow" w="med" len="med"/>
+          </a:ln>
+          <a:effectLst/>
+        </p:spPr>
+        <p:style>
+          <a:lnRef idx="1">
+            <a:schemeClr val="accent2"/>
+          </a:lnRef>
+          <a:fillRef idx="2">
+            <a:schemeClr val="accent2"/>
+          </a:fillRef>
+          <a:effectRef idx="1">
+            <a:schemeClr val="accent2"/>
+          </a:effectRef>
+          <a:fontRef idx="minor">
+            <a:schemeClr val="dk1"/>
+          </a:fontRef>
+        </p:style>
+      </p:cxnSp>
+      <p:sp>
+        <p:nvSpPr>
+          <p:cNvPr id="35" name="Flowchart: Decision 96"/>
+          <p:cNvSpPr/>
+          <p:nvPr/>
+        </p:nvSpPr>
+        <p:spPr>
+          <a:xfrm rot="5400000">
+            <a:off x="1624150" y="3140601"/>
+            <a:ext cx="236048" cy="173380"/>
+          </a:xfrm>
+          <a:prstGeom prst="flowChartDecision">
+            <a:avLst/>
+          </a:prstGeom>
+          <a:solidFill>
+            <a:srgbClr val="E46C0A"/>
+          </a:solidFill>
+          <a:ln w="19050">
+            <a:solidFill>
+              <a:schemeClr val="accent6">
+                <a:lumMod val="75000"/>
+              </a:schemeClr>
+            </a:solidFill>
+          </a:ln>
+          <a:effectLst/>
+        </p:spPr>
+        <p:style>
+          <a:lnRef idx="1">
+            <a:schemeClr val="accent2"/>
+          </a:lnRef>
+          <a:fillRef idx="2">
+            <a:schemeClr val="accent2"/>
+          </a:fillRef>
+          <a:effectRef idx="1">
+            <a:schemeClr val="accent2"/>
+          </a:effectRef>
+          <a:fontRef idx="minor">
+            <a:schemeClr val="dk1"/>
+          </a:fontRef>
+        </p:style>
+        <p:txBody>
+          <a:bodyPr rtlCol="0" anchor="ctr"/>
+          <a:lstStyle/>
+          <a:p>
+            <a:pPr algn="ctr"/>
+            <a:endParaRPr lang="en-US" sz="1050">
+              <a:solidFill>
+                <a:schemeClr val="bg1"/>
+              </a:solidFill>
+            </a:endParaRPr>
+          </a:p>
+        </p:txBody>
+      </p:sp>
+      <p:sp>
+        <p:nvSpPr>
+          <p:cNvPr id="40" name="Rectangle 8"/>
+          <p:cNvSpPr/>
+          <p:nvPr/>
+        </p:nvSpPr>
+        <p:spPr>
+          <a:xfrm>
+            <a:off x="2361858" y="1632470"/>
+            <a:ext cx="1323049" cy="346760"/>
+          </a:xfrm>
+          <a:prstGeom prst="rect">
+            <a:avLst/>
+          </a:prstGeom>
+          <a:solidFill>
+            <a:schemeClr val="accent6">
+              <a:lumMod val="75000"/>
+            </a:schemeClr>
+          </a:solidFill>
+          <a:ln w="19050">
+            <a:solidFill>
+              <a:schemeClr val="accent6">
+                <a:lumMod val="75000"/>
+              </a:schemeClr>
+            </a:solidFill>
+          </a:ln>
+          <a:effectLst/>
+        </p:spPr>
+        <p:style>
+          <a:lnRef idx="1">
+            <a:schemeClr val="accent2"/>
+          </a:lnRef>
+          <a:fillRef idx="2">
+            <a:schemeClr val="accent2"/>
+          </a:fillRef>
+          <a:effectRef idx="1">
+            <a:schemeClr val="accent2"/>
+          </a:effectRef>
+          <a:fontRef idx="minor">
+            <a:schemeClr val="dk1"/>
+          </a:fontRef>
+        </p:style>
+        <p:txBody>
+          <a:bodyPr rtlCol="0" anchor="ctr"/>
+          <a:lstStyle/>
+          <a:p>
+            <a:pPr algn="ctr"/>
+            <a:r>
+              <a:rPr lang="en-US" sz="1050" dirty="0" smtClean="0">
+                <a:solidFill>
+                  <a:schemeClr val="bg1"/>
+                </a:solidFill>
+              </a:rPr>
+              <a:t>&lt;&lt;interface&gt;&gt;</a:t>
+            </a:r>
+            <a:br>
+              <a:rPr lang="en-US" sz="1050" dirty="0" smtClean="0">
+                <a:solidFill>
+                  <a:schemeClr val="bg1"/>
+                </a:solidFill>
+              </a:rPr>
+            </a:br>
+            <a:r>
+              <a:rPr lang="en-US" sz="1050" dirty="0" err="1" smtClean="0">
+                <a:solidFill>
+                  <a:schemeClr val="bg1"/>
+                </a:solidFill>
+              </a:rPr>
+              <a:t>ExpenseBookStorage</a:t>
+            </a:r>
+            <a:endParaRPr lang="en-SG" sz="1050" dirty="0">
+              <a:solidFill>
+                <a:schemeClr val="bg1"/>
+              </a:solidFill>
+            </a:endParaRPr>
+          </a:p>
+        </p:txBody>
+      </p:sp>
+      <p:cxnSp>
+        <p:nvCxnSpPr>
+          <p:cNvPr id="41" name="Straight Arrow Connector 40"/>
+          <p:cNvCxnSpPr>
+            <a:stCxn id="43" idx="3"/>
+            <a:endCxn id="40" idx="1"/>
+          </p:cNvCxnSpPr>
+          <p:nvPr/>
+        </p:nvCxnSpPr>
+        <p:spPr>
+          <a:xfrm>
+            <a:off x="2141048" y="1800566"/>
+            <a:ext cx="220810" cy="5284"/>
+          </a:xfrm>
+          <a:prstGeom prst="straightConnector1">
+            <a:avLst/>
+          </a:prstGeom>
+          <a:ln w="19050">
+            <a:solidFill>
+              <a:schemeClr val="accent6">
+                <a:lumMod val="75000"/>
+              </a:schemeClr>
+            </a:solidFill>
+            <a:headEnd type="none" w="med" len="med"/>
+            <a:tailEnd type="arrow" w="med" len="med"/>
+          </a:ln>
+          <a:effectLst/>
+        </p:spPr>
+        <p:style>
+          <a:lnRef idx="1">
+            <a:schemeClr val="accent2"/>
+          </a:lnRef>
+          <a:fillRef idx="2">
+            <a:schemeClr val="accent2"/>
+          </a:fillRef>
+          <a:effectRef idx="1">
+            <a:schemeClr val="accent2"/>
+          </a:effectRef>
+          <a:fontRef idx="minor">
+            <a:schemeClr val="dk1"/>
+          </a:fontRef>
+        </p:style>
+      </p:cxnSp>
+      <p:sp>
+        <p:nvSpPr>
+          <p:cNvPr id="43" name="Flowchart: Decision 96"/>
+          <p:cNvSpPr/>
+          <p:nvPr/>
+        </p:nvSpPr>
+        <p:spPr>
+          <a:xfrm>
+            <a:off x="1905000" y="1713876"/>
+            <a:ext cx="236048" cy="173380"/>
+          </a:xfrm>
+          <a:prstGeom prst="flowChartDecision">
+            <a:avLst/>
+          </a:prstGeom>
+          <a:noFill/>
+          <a:ln w="19050">
+            <a:solidFill>
+              <a:schemeClr val="accent6">
+                <a:lumMod val="75000"/>
+              </a:schemeClr>
+            </a:solidFill>
+          </a:ln>
+          <a:effectLst/>
+        </p:spPr>
+        <p:style>
+          <a:lnRef idx="1">
+            <a:schemeClr val="accent2"/>
+          </a:lnRef>
+          <a:fillRef idx="2">
+            <a:schemeClr val="accent2"/>
+          </a:fillRef>
+          <a:effectRef idx="1">
+            <a:schemeClr val="accent2"/>
+          </a:effectRef>
+          <a:fontRef idx="minor">
+            <a:schemeClr val="dk1"/>
+          </a:fontRef>
+        </p:style>
+        <p:txBody>
+          <a:bodyPr rtlCol="0" anchor="ctr"/>
+          <a:lstStyle/>
+          <a:p>
+            <a:pPr algn="ctr"/>
+            <a:endParaRPr lang="en-US" sz="1050">
+              <a:solidFill>
+                <a:schemeClr val="bg1"/>
+              </a:solidFill>
+            </a:endParaRPr>
+          </a:p>
+        </p:txBody>
+      </p:sp>
+      <p:cxnSp>
+        <p:nvCxnSpPr>
+          <p:cNvPr id="44" name="Elbow Connector 63"/>
+          <p:cNvCxnSpPr>
+            <a:stCxn id="45" idx="3"/>
+            <a:endCxn id="47" idx="1"/>
+          </p:cNvCxnSpPr>
+          <p:nvPr/>
+        </p:nvCxnSpPr>
+        <p:spPr>
+          <a:xfrm flipV="1">
+            <a:off x="3882719" y="1805850"/>
+            <a:ext cx="223324" cy="1"/>
+          </a:xfrm>
+          <a:prstGeom prst="bentConnector3">
+            <a:avLst>
+              <a:gd name="adj1" fmla="val 50000"/>
+            </a:avLst>
+          </a:prstGeom>
+          <a:ln w="19050">
+            <a:solidFill>
+              <a:schemeClr val="accent6">
+                <a:lumMod val="75000"/>
+              </a:schemeClr>
+            </a:solidFill>
+            <a:prstDash val="sysDot"/>
+            <a:headEnd type="none" w="med" len="med"/>
+            <a:tailEnd type="none" w="med" len="med"/>
+          </a:ln>
+          <a:effectLst/>
+        </p:spPr>
+        <p:style>
+          <a:lnRef idx="1">
+            <a:schemeClr val="accent2"/>
+          </a:lnRef>
+          <a:fillRef idx="2">
+            <a:schemeClr val="accent2"/>
+          </a:fillRef>
+          <a:effectRef idx="1">
+            <a:schemeClr val="accent2"/>
+          </a:effectRef>
+          <a:fontRef idx="minor">
+            <a:schemeClr val="dk1"/>
+          </a:fontRef>
+        </p:style>
+      </p:cxnSp>
+      <p:sp>
+        <p:nvSpPr>
+          <p:cNvPr id="45" name="Isosceles Triangle 102"/>
+          <p:cNvSpPr/>
+          <p:nvPr/>
+        </p:nvSpPr>
+        <p:spPr>
+          <a:xfrm rot="5400000" flipV="1">
+            <a:off x="3659705" y="1718089"/>
+            <a:ext cx="270504" cy="175523"/>
+          </a:xfrm>
+          <a:prstGeom prst="triangle">
+            <a:avLst/>
+          </a:prstGeom>
+          <a:solidFill>
+            <a:schemeClr val="accent6">
+              <a:lumMod val="75000"/>
+            </a:schemeClr>
+          </a:solidFill>
+          <a:ln w="19050">
+            <a:solidFill>
+              <a:schemeClr val="accent6">
+                <a:lumMod val="75000"/>
+              </a:schemeClr>
+            </a:solidFill>
+          </a:ln>
+          <a:effectLst/>
+        </p:spPr>
+        <p:style>
+          <a:lnRef idx="1">
+            <a:schemeClr val="accent2"/>
+          </a:lnRef>
+          <a:fillRef idx="2">
+            <a:schemeClr val="accent2"/>
+          </a:fillRef>
+          <a:effectRef idx="1">
+            <a:schemeClr val="accent2"/>
+          </a:effectRef>
+          <a:fontRef idx="minor">
+            <a:schemeClr val="dk1"/>
+          </a:fontRef>
+        </p:style>
+        <p:txBody>
+          <a:bodyPr rtlCol="0" anchor="ctr"/>
+          <a:lstStyle/>
+          <a:p>
+            <a:pPr algn="ctr"/>
+            <a:endParaRPr lang="en-SG" sz="1050">
+              <a:solidFill>
+                <a:schemeClr val="bg1"/>
+              </a:solidFill>
+            </a:endParaRPr>
+          </a:p>
+        </p:txBody>
+      </p:sp>
+      <p:cxnSp>
+        <p:nvCxnSpPr>
+          <p:cNvPr id="46" name="Elbow Connector 122"/>
+          <p:cNvCxnSpPr>
+            <a:stCxn id="47" idx="3"/>
+            <a:endCxn id="48" idx="1"/>
+          </p:cNvCxnSpPr>
+          <p:nvPr/>
+        </p:nvCxnSpPr>
+        <p:spPr>
+          <a:xfrm>
+            <a:off x="5275878" y="1805850"/>
+            <a:ext cx="228600" cy="1970"/>
+          </a:xfrm>
+          <a:prstGeom prst="bentConnector3">
+            <a:avLst>
+              <a:gd name="adj1" fmla="val 50000"/>
+            </a:avLst>
+          </a:prstGeom>
+          <a:ln w="19050">
+            <a:solidFill>
+              <a:schemeClr val="accent6">
+                <a:lumMod val="75000"/>
+              </a:schemeClr>
+            </a:solidFill>
+            <a:prstDash val="sysDot"/>
+            <a:headEnd type="none" w="med" len="med"/>
+            <a:tailEnd type="arrow" w="med" len="med"/>
+          </a:ln>
+          <a:effectLst/>
+        </p:spPr>
+        <p:style>
+          <a:lnRef idx="1">
+            <a:schemeClr val="accent2"/>
+          </a:lnRef>
+          <a:fillRef idx="2">
+            <a:schemeClr val="accent2"/>
+          </a:fillRef>
+          <a:effectRef idx="1">
+            <a:schemeClr val="accent2"/>
+          </a:effectRef>
+          <a:fontRef idx="minor">
+            <a:schemeClr val="dk1"/>
+          </a:fontRef>
+        </p:style>
+      </p:cxnSp>
+      <p:sp>
+        <p:nvSpPr>
+          <p:cNvPr id="47" name="Rectangle 8"/>
+          <p:cNvSpPr/>
+          <p:nvPr/>
+        </p:nvSpPr>
+        <p:spPr>
+          <a:xfrm>
+            <a:off x="4106043" y="1632470"/>
+            <a:ext cx="1169835" cy="346760"/>
+          </a:xfrm>
+          <a:prstGeom prst="rect">
+            <a:avLst/>
+          </a:prstGeom>
+          <a:ln w="19050"/>
+          <a:effectLst/>
+        </p:spPr>
+        <p:style>
+          <a:lnRef idx="1">
+            <a:schemeClr val="accent6"/>
+          </a:lnRef>
+          <a:fillRef idx="2">
+            <a:schemeClr val="accent6"/>
+          </a:fillRef>
+          <a:effectRef idx="1">
+            <a:schemeClr val="accent6"/>
+          </a:effectRef>
+          <a:fontRef idx="minor">
+            <a:schemeClr val="dk1"/>
+          </a:fontRef>
+        </p:style>
+        <p:txBody>
+          <a:bodyPr rtlCol="0" anchor="ctr"/>
+          <a:lstStyle/>
+          <a:p>
+            <a:pPr algn="ctr"/>
+            <a:r>
+              <a:rPr lang="en-US" sz="1050" b="1" dirty="0" err="1" smtClean="0">
+                <a:solidFill>
+                  <a:schemeClr val="accent6">
+                    <a:lumMod val="75000"/>
+                  </a:schemeClr>
+                </a:solidFill>
+              </a:rPr>
+              <a:t>XmlExpenseBook</a:t>
+            </a:r>
+            <a:r>
+              <a:rPr lang="en-US" sz="1050" b="1" dirty="0" smtClean="0">
+                <a:solidFill>
+                  <a:schemeClr val="accent6">
+                    <a:lumMod val="75000"/>
+                  </a:schemeClr>
+                </a:solidFill>
+              </a:rPr>
+              <a:t/>
+            </a:r>
+            <a:br>
+              <a:rPr lang="en-US" sz="1050" b="1" dirty="0" smtClean="0">
+                <a:solidFill>
+                  <a:schemeClr val="accent6">
+                    <a:lumMod val="75000"/>
+                  </a:schemeClr>
+                </a:solidFill>
+              </a:rPr>
+            </a:br>
+            <a:r>
+              <a:rPr lang="en-US" sz="1050" b="1" dirty="0" smtClean="0">
+                <a:solidFill>
+                  <a:schemeClr val="accent6">
+                    <a:lumMod val="75000"/>
+                  </a:schemeClr>
+                </a:solidFill>
+              </a:rPr>
+              <a:t>Storage</a:t>
+            </a:r>
+            <a:endParaRPr lang="en-SG" sz="1050" b="1" dirty="0">
+              <a:solidFill>
+                <a:schemeClr val="accent6">
+                  <a:lumMod val="75000"/>
+                </a:schemeClr>
+              </a:solidFill>
+            </a:endParaRPr>
+          </a:p>
+        </p:txBody>
+      </p:sp>
+      <p:sp>
+        <p:nvSpPr>
+          <p:cNvPr id="48" name="Rectangle 8"/>
+          <p:cNvSpPr/>
+          <p:nvPr/>
+        </p:nvSpPr>
+        <p:spPr>
+          <a:xfrm>
+            <a:off x="5504478" y="1634440"/>
+            <a:ext cx="1200707" cy="346760"/>
+          </a:xfrm>
+          <a:prstGeom prst="rect">
+            <a:avLst/>
+          </a:prstGeom>
+          <a:ln w="19050"/>
+          <a:effectLst/>
+        </p:spPr>
+        <p:style>
+          <a:lnRef idx="1">
+            <a:schemeClr val="accent6"/>
+          </a:lnRef>
+          <a:fillRef idx="2">
+            <a:schemeClr val="accent6"/>
+          </a:fillRef>
+          <a:effectRef idx="1">
+            <a:schemeClr val="accent6"/>
+          </a:effectRef>
+          <a:fontRef idx="minor">
+            <a:schemeClr val="dk1"/>
+          </a:fontRef>
+        </p:style>
+        <p:txBody>
+          <a:bodyPr rtlCol="0" anchor="ctr"/>
+          <a:lstStyle/>
+          <a:p>
+            <a:pPr algn="ctr"/>
+            <a:r>
+              <a:rPr lang="en-US" sz="1050" b="1" dirty="0" err="1" smtClean="0">
+                <a:solidFill>
+                  <a:schemeClr val="accent6">
+                    <a:lumMod val="75000"/>
+                  </a:schemeClr>
+                </a:solidFill>
+              </a:rPr>
+              <a:t>XmlSerializable</a:t>
+            </a:r>
+            <a:r>
+              <a:rPr lang="en-US" sz="1050" b="1" dirty="0" smtClean="0">
+                <a:solidFill>
+                  <a:schemeClr val="accent6">
+                    <a:lumMod val="75000"/>
+                  </a:schemeClr>
+                </a:solidFill>
+              </a:rPr>
+              <a:t/>
+            </a:r>
+            <a:br>
+              <a:rPr lang="en-US" sz="1050" b="1" dirty="0" smtClean="0">
+                <a:solidFill>
+                  <a:schemeClr val="accent6">
+                    <a:lumMod val="75000"/>
+                  </a:schemeClr>
+                </a:solidFill>
+              </a:rPr>
+            </a:br>
+            <a:r>
+              <a:rPr lang="en-US" sz="1050" b="1" dirty="0" err="1" smtClean="0">
+                <a:solidFill>
+                  <a:schemeClr val="accent6">
+                    <a:lumMod val="75000"/>
+                  </a:schemeClr>
+                </a:solidFill>
+              </a:rPr>
+              <a:t>ExpenseBook</a:t>
+            </a:r>
+            <a:endParaRPr lang="en-SG" sz="1050" b="1" dirty="0">
+              <a:solidFill>
+                <a:schemeClr val="accent6">
+                  <a:lumMod val="75000"/>
+                </a:schemeClr>
+              </a:solidFill>
+            </a:endParaRPr>
+          </a:p>
+        </p:txBody>
+      </p:sp>
+      <p:sp>
+        <p:nvSpPr>
+          <p:cNvPr id="51" name="Rectangle 8"/>
+          <p:cNvSpPr/>
+          <p:nvPr/>
+        </p:nvSpPr>
+        <p:spPr>
+          <a:xfrm>
+            <a:off x="7100415" y="2153008"/>
+            <a:ext cx="1282877" cy="346760"/>
+          </a:xfrm>
+          <a:prstGeom prst="rect">
+            <a:avLst/>
+          </a:prstGeom>
+          <a:ln w="19050"/>
+          <a:effectLst/>
+        </p:spPr>
+        <p:style>
+          <a:lnRef idx="1">
+            <a:schemeClr val="accent6"/>
+          </a:lnRef>
+          <a:fillRef idx="2">
+            <a:schemeClr val="accent6"/>
+          </a:fillRef>
+          <a:effectRef idx="1">
+            <a:schemeClr val="accent6"/>
+          </a:effectRef>
+          <a:fontRef idx="minor">
+            <a:schemeClr val="dk1"/>
+          </a:fontRef>
+        </p:style>
+        <p:txBody>
+          <a:bodyPr rtlCol="0" anchor="ctr"/>
+          <a:lstStyle/>
+          <a:p>
+            <a:pPr algn="ctr"/>
+            <a:r>
+              <a:rPr lang="en-US" sz="1050" b="1" dirty="0" err="1" smtClean="0">
+                <a:solidFill>
+                  <a:schemeClr val="accent6">
+                    <a:lumMod val="75000"/>
+                  </a:schemeClr>
+                </a:solidFill>
+              </a:rPr>
+              <a:t>XmlAdaptedTag</a:t>
+            </a:r>
+            <a:endParaRPr lang="en-SG" sz="1050" b="1" dirty="0">
+              <a:solidFill>
+                <a:schemeClr val="accent6">
+                  <a:lumMod val="75000"/>
+                </a:schemeClr>
+              </a:solidFill>
+            </a:endParaRPr>
+          </a:p>
+        </p:txBody>
+      </p:sp>
+      <p:sp>
+        <p:nvSpPr>
+          <p:cNvPr id="53" name="Rectangle 8"/>
+          <p:cNvSpPr/>
+          <p:nvPr/>
+        </p:nvSpPr>
+        <p:spPr>
+          <a:xfrm>
+            <a:off x="7100416" y="1633654"/>
+            <a:ext cx="1288028" cy="346760"/>
+          </a:xfrm>
+          <a:prstGeom prst="rect">
+            <a:avLst/>
+          </a:prstGeom>
+          <a:ln w="19050"/>
+          <a:effectLst/>
+        </p:spPr>
+        <p:style>
+          <a:lnRef idx="1">
+            <a:schemeClr val="accent6"/>
+          </a:lnRef>
+          <a:fillRef idx="2">
+            <a:schemeClr val="accent6"/>
+          </a:fillRef>
+          <a:effectRef idx="1">
+            <a:schemeClr val="accent6"/>
+          </a:effectRef>
+          <a:fontRef idx="minor">
+            <a:schemeClr val="dk1"/>
+          </a:fontRef>
+        </p:style>
+        <p:txBody>
+          <a:bodyPr rtlCol="0" anchor="ctr"/>
+          <a:lstStyle/>
+          <a:p>
+            <a:pPr algn="ctr"/>
+            <a:r>
+              <a:rPr lang="en-US" sz="1000" b="1" dirty="0" err="1" smtClean="0">
+                <a:solidFill>
+                  <a:schemeClr val="accent6">
+                    <a:lumMod val="75000"/>
+                  </a:schemeClr>
+                </a:solidFill>
+              </a:rPr>
+              <a:t>XmlAdaptedExpense</a:t>
+            </a:r>
+            <a:endParaRPr lang="en-SG" sz="1000" b="1" dirty="0">
+              <a:solidFill>
+                <a:schemeClr val="accent6">
+                  <a:lumMod val="75000"/>
+                </a:schemeClr>
+              </a:solidFill>
+            </a:endParaRPr>
+          </a:p>
+        </p:txBody>
+      </p:sp>
+      <p:cxnSp>
+        <p:nvCxnSpPr>
+          <p:cNvPr id="55" name="Elbow Connector 122"/>
+          <p:cNvCxnSpPr>
+            <a:stCxn id="48" idx="3"/>
+            <a:endCxn id="53" idx="1"/>
+          </p:cNvCxnSpPr>
+          <p:nvPr/>
+        </p:nvCxnSpPr>
+        <p:spPr>
+          <a:xfrm flipV="1">
+            <a:off x="6705185" y="1807034"/>
             <a:ext cx="395231" cy="786"/>
+          </a:xfrm>
+          <a:prstGeom prst="bentConnector3">
+            <a:avLst>
+              <a:gd name="adj1" fmla="val 50000"/>
+            </a:avLst>
+          </a:prstGeom>
+          <a:ln w="19050">
+            <a:prstDash val="sysDot"/>
+            <a:headEnd type="none" w="med" len="med"/>
+            <a:tailEnd type="arrow" w="med" len="med"/>
+          </a:ln>
+          <a:effectLst/>
+        </p:spPr>
+        <p:style>
+          <a:lnRef idx="1">
+            <a:schemeClr val="accent6"/>
+          </a:lnRef>
+          <a:fillRef idx="2">
+            <a:schemeClr val="accent6"/>
+          </a:fillRef>
+          <a:effectRef idx="1">
+            <a:schemeClr val="accent6"/>
+          </a:effectRef>
+          <a:fontRef idx="minor">
+            <a:schemeClr val="dk1"/>
+          </a:fontRef>
+        </p:style>
+      </p:cxnSp>
+      <p:cxnSp>
+        <p:nvCxnSpPr>
+          <p:cNvPr id="57" name="Elbow Connector 122"/>
+          <p:cNvCxnSpPr>
+            <a:stCxn id="53" idx="2"/>
+            <a:endCxn id="51" idx="0"/>
+          </p:cNvCxnSpPr>
+          <p:nvPr/>
+        </p:nvCxnSpPr>
+        <p:spPr>
+          <a:xfrm rot="5400000">
+            <a:off x="7656845" y="2065423"/>
+            <a:ext cx="172594" cy="2576"/>
+          </a:xfrm>
+          <a:prstGeom prst="bentConnector3">
+            <a:avLst>
+              <a:gd name="adj1" fmla="val 50000"/>
+            </a:avLst>
+          </a:prstGeom>
+          <a:ln w="19050">
+            <a:prstDash val="sysDot"/>
+            <a:headEnd type="none" w="med" len="med"/>
+            <a:tailEnd type="arrow" w="med" len="med"/>
+          </a:ln>
+          <a:effectLst/>
+        </p:spPr>
+        <p:style>
+          <a:lnRef idx="1">
+            <a:schemeClr val="accent6"/>
+          </a:lnRef>
+          <a:fillRef idx="2">
+            <a:schemeClr val="accent6"/>
+          </a:fillRef>
+          <a:effectRef idx="1">
+            <a:schemeClr val="accent6"/>
+          </a:effectRef>
+          <a:fontRef idx="minor">
+            <a:schemeClr val="dk1"/>
+          </a:fontRef>
+        </p:style>
+      </p:cxnSp>
+      <p:sp>
+        <p:nvSpPr>
+          <p:cNvPr id="84" name="Rectangle 8"/>
+          <p:cNvSpPr/>
+          <p:nvPr/>
+        </p:nvSpPr>
+        <p:spPr>
+          <a:xfrm>
+            <a:off x="2361858" y="2165792"/>
+            <a:ext cx="1323049" cy="346760"/>
+          </a:xfrm>
+          <a:prstGeom prst="rect">
+            <a:avLst/>
+          </a:prstGeom>
+          <a:solidFill>
+            <a:schemeClr val="accent6">
+              <a:lumMod val="75000"/>
+            </a:schemeClr>
+          </a:solidFill>
+          <a:ln w="19050">
+            <a:solidFill>
+              <a:schemeClr val="accent6">
+                <a:lumMod val="75000"/>
+              </a:schemeClr>
+            </a:solidFill>
+          </a:ln>
+          <a:effectLst/>
+        </p:spPr>
+        <p:style>
+          <a:lnRef idx="1">
+            <a:schemeClr val="accent2"/>
+          </a:lnRef>
+          <a:fillRef idx="2">
+            <a:schemeClr val="accent2"/>
+          </a:fillRef>
+          <a:effectRef idx="1">
+            <a:schemeClr val="accent2"/>
+          </a:effectRef>
+          <a:fontRef idx="minor">
+            <a:schemeClr val="dk1"/>
+          </a:fontRef>
+        </p:style>
+        <p:txBody>
+          <a:bodyPr rtlCol="0" anchor="ctr"/>
+          <a:lstStyle/>
+          <a:p>
+            <a:pPr algn="ctr"/>
+            <a:r>
+              <a:rPr lang="en-US" sz="1050" dirty="0" smtClean="0">
+                <a:solidFill>
+                  <a:schemeClr val="bg1"/>
+                </a:solidFill>
+              </a:rPr>
+              <a:t>&lt;&lt;interface&gt;&gt;</a:t>
+            </a:r>
+            <a:br>
+              <a:rPr lang="en-US" sz="1050" dirty="0" smtClean="0">
+                <a:solidFill>
+                  <a:schemeClr val="bg1"/>
+                </a:solidFill>
+              </a:rPr>
+            </a:br>
+            <a:r>
+              <a:rPr lang="en-US" sz="1050" dirty="0" err="1" smtClean="0">
+                <a:solidFill>
+                  <a:schemeClr val="bg1"/>
+                </a:solidFill>
+              </a:rPr>
+              <a:t>TaskBookStorage</a:t>
+            </a:r>
+            <a:endParaRPr lang="en-SG" sz="1050" dirty="0">
+              <a:solidFill>
+                <a:schemeClr val="bg1"/>
+              </a:solidFill>
+            </a:endParaRPr>
+          </a:p>
+        </p:txBody>
+      </p:sp>
+      <p:cxnSp>
+        <p:nvCxnSpPr>
+          <p:cNvPr id="85" name="Straight Arrow Connector 84"/>
+          <p:cNvCxnSpPr>
+            <a:stCxn id="86" idx="3"/>
+            <a:endCxn id="84" idx="1"/>
+          </p:cNvCxnSpPr>
+          <p:nvPr/>
+        </p:nvCxnSpPr>
+        <p:spPr>
+          <a:xfrm>
+            <a:off x="2141048" y="2333888"/>
+            <a:ext cx="220810" cy="5284"/>
+          </a:xfrm>
+          <a:prstGeom prst="straightConnector1">
+            <a:avLst/>
+          </a:prstGeom>
+          <a:ln w="19050">
+            <a:solidFill>
+              <a:schemeClr val="accent6">
+                <a:lumMod val="75000"/>
+              </a:schemeClr>
+            </a:solidFill>
+            <a:headEnd type="none" w="med" len="med"/>
+            <a:tailEnd type="arrow" w="med" len="med"/>
+          </a:ln>
+          <a:effectLst/>
+        </p:spPr>
+        <p:style>
+          <a:lnRef idx="1">
+            <a:schemeClr val="accent2"/>
+          </a:lnRef>
+          <a:fillRef idx="2">
+            <a:schemeClr val="accent2"/>
+          </a:fillRef>
+          <a:effectRef idx="1">
+            <a:schemeClr val="accent2"/>
+          </a:effectRef>
+          <a:fontRef idx="minor">
+            <a:schemeClr val="dk1"/>
+          </a:fontRef>
+        </p:style>
+      </p:cxnSp>
+      <p:sp>
+        <p:nvSpPr>
+          <p:cNvPr id="86" name="Flowchart: Decision 96"/>
+          <p:cNvSpPr/>
+          <p:nvPr/>
+        </p:nvSpPr>
+        <p:spPr>
+          <a:xfrm>
+            <a:off x="1905000" y="2247198"/>
+            <a:ext cx="236048" cy="173380"/>
+          </a:xfrm>
+          <a:prstGeom prst="flowChartDecision">
+            <a:avLst/>
+          </a:prstGeom>
+          <a:noFill/>
+          <a:ln w="19050">
+            <a:solidFill>
+              <a:schemeClr val="accent6">
+                <a:lumMod val="75000"/>
+              </a:schemeClr>
+            </a:solidFill>
+          </a:ln>
+          <a:effectLst/>
+        </p:spPr>
+        <p:style>
+          <a:lnRef idx="1">
+            <a:schemeClr val="accent2"/>
+          </a:lnRef>
+          <a:fillRef idx="2">
+            <a:schemeClr val="accent2"/>
+          </a:fillRef>
+          <a:effectRef idx="1">
+            <a:schemeClr val="accent2"/>
+          </a:effectRef>
+          <a:fontRef idx="minor">
+            <a:schemeClr val="dk1"/>
+          </a:fontRef>
+        </p:style>
+        <p:txBody>
+          <a:bodyPr rtlCol="0" anchor="ctr"/>
+          <a:lstStyle/>
+          <a:p>
+            <a:pPr algn="ctr"/>
+            <a:endParaRPr lang="en-US" sz="1050">
+              <a:solidFill>
+                <a:schemeClr val="bg1"/>
+              </a:solidFill>
+            </a:endParaRPr>
+          </a:p>
+        </p:txBody>
+      </p:sp>
+      <p:cxnSp>
+        <p:nvCxnSpPr>
+          <p:cNvPr id="87" name="Elbow Connector 63"/>
+          <p:cNvCxnSpPr>
+            <a:stCxn id="88" idx="3"/>
+            <a:endCxn id="90" idx="1"/>
+          </p:cNvCxnSpPr>
+          <p:nvPr/>
+        </p:nvCxnSpPr>
+        <p:spPr>
+          <a:xfrm flipV="1">
+            <a:off x="3882719" y="2339172"/>
+            <a:ext cx="223324" cy="1"/>
+          </a:xfrm>
+          <a:prstGeom prst="bentConnector3">
+            <a:avLst>
+              <a:gd name="adj1" fmla="val 50000"/>
+            </a:avLst>
+          </a:prstGeom>
+          <a:ln w="19050">
+            <a:solidFill>
+              <a:schemeClr val="accent6">
+                <a:lumMod val="75000"/>
+              </a:schemeClr>
+            </a:solidFill>
+            <a:prstDash val="sysDot"/>
+            <a:headEnd type="none" w="med" len="med"/>
+            <a:tailEnd type="none" w="med" len="med"/>
+          </a:ln>
+          <a:effectLst/>
+        </p:spPr>
+        <p:style>
+          <a:lnRef idx="1">
+            <a:schemeClr val="accent2"/>
+          </a:lnRef>
+          <a:fillRef idx="2">
+            <a:schemeClr val="accent2"/>
+          </a:fillRef>
+          <a:effectRef idx="1">
+            <a:schemeClr val="accent2"/>
+          </a:effectRef>
+          <a:fontRef idx="minor">
+            <a:schemeClr val="dk1"/>
+          </a:fontRef>
+        </p:style>
+      </p:cxnSp>
+      <p:sp>
+        <p:nvSpPr>
+          <p:cNvPr id="88" name="Isosceles Triangle 102"/>
+          <p:cNvSpPr/>
+          <p:nvPr/>
+        </p:nvSpPr>
+        <p:spPr>
+          <a:xfrm rot="5400000" flipV="1">
+            <a:off x="3659705" y="2251411"/>
+            <a:ext cx="270504" cy="175523"/>
+          </a:xfrm>
+          <a:prstGeom prst="triangle">
+            <a:avLst/>
+          </a:prstGeom>
+          <a:solidFill>
+            <a:schemeClr val="accent6">
+              <a:lumMod val="75000"/>
+            </a:schemeClr>
+          </a:solidFill>
+          <a:ln w="19050">
+            <a:solidFill>
+              <a:schemeClr val="accent6">
+                <a:lumMod val="75000"/>
+              </a:schemeClr>
+            </a:solidFill>
+          </a:ln>
+          <a:effectLst/>
+        </p:spPr>
+        <p:style>
+          <a:lnRef idx="1">
+            <a:schemeClr val="accent2"/>
+          </a:lnRef>
+          <a:fillRef idx="2">
+            <a:schemeClr val="accent2"/>
+          </a:fillRef>
+          <a:effectRef idx="1">
+            <a:schemeClr val="accent2"/>
+          </a:effectRef>
+          <a:fontRef idx="minor">
+            <a:schemeClr val="dk1"/>
+          </a:fontRef>
+        </p:style>
+        <p:txBody>
+          <a:bodyPr rtlCol="0" anchor="ctr"/>
+          <a:lstStyle/>
+          <a:p>
+            <a:pPr algn="ctr"/>
+            <a:endParaRPr lang="en-SG" sz="1050">
+              <a:solidFill>
+                <a:schemeClr val="bg1"/>
+              </a:solidFill>
+            </a:endParaRPr>
+          </a:p>
+        </p:txBody>
+      </p:sp>
+      <p:cxnSp>
+        <p:nvCxnSpPr>
+          <p:cNvPr id="89" name="Elbow Connector 122"/>
+          <p:cNvCxnSpPr>
+            <a:stCxn id="90" idx="3"/>
+            <a:endCxn id="91" idx="1"/>
+          </p:cNvCxnSpPr>
+          <p:nvPr/>
+        </p:nvCxnSpPr>
+        <p:spPr>
+          <a:xfrm>
+            <a:off x="5275878" y="2339172"/>
+            <a:ext cx="228600" cy="1970"/>
+          </a:xfrm>
+          <a:prstGeom prst="bentConnector3">
+            <a:avLst>
+              <a:gd name="adj1" fmla="val 50000"/>
+            </a:avLst>
+          </a:prstGeom>
+          <a:ln w="19050">
+            <a:solidFill>
+              <a:schemeClr val="accent6">
+                <a:lumMod val="75000"/>
+              </a:schemeClr>
+            </a:solidFill>
+            <a:prstDash val="sysDot"/>
+            <a:headEnd type="none" w="med" len="med"/>
+            <a:tailEnd type="arrow" w="med" len="med"/>
+          </a:ln>
+          <a:effectLst/>
+        </p:spPr>
+        <p:style>
+          <a:lnRef idx="1">
+            <a:schemeClr val="accent2"/>
+          </a:lnRef>
+          <a:fillRef idx="2">
+            <a:schemeClr val="accent2"/>
+          </a:fillRef>
+          <a:effectRef idx="1">
+            <a:schemeClr val="accent2"/>
+          </a:effectRef>
+          <a:fontRef idx="minor">
+            <a:schemeClr val="dk1"/>
+          </a:fontRef>
+        </p:style>
+      </p:cxnSp>
+      <p:sp>
+        <p:nvSpPr>
+          <p:cNvPr id="90" name="Rectangle 8"/>
+          <p:cNvSpPr/>
+          <p:nvPr/>
+        </p:nvSpPr>
+        <p:spPr>
+          <a:xfrm>
+            <a:off x="4106043" y="2165792"/>
+            <a:ext cx="1169835" cy="346760"/>
+          </a:xfrm>
+          <a:prstGeom prst="rect">
+            <a:avLst/>
+          </a:prstGeom>
+          <a:ln w="19050"/>
+          <a:effectLst/>
+        </p:spPr>
+        <p:style>
+          <a:lnRef idx="1">
+            <a:schemeClr val="accent6"/>
+          </a:lnRef>
+          <a:fillRef idx="2">
+            <a:schemeClr val="accent6"/>
+          </a:fillRef>
+          <a:effectRef idx="1">
+            <a:schemeClr val="accent6"/>
+          </a:effectRef>
+          <a:fontRef idx="minor">
+            <a:schemeClr val="dk1"/>
+          </a:fontRef>
+        </p:style>
+        <p:txBody>
+          <a:bodyPr rtlCol="0" anchor="ctr"/>
+          <a:lstStyle/>
+          <a:p>
+            <a:pPr algn="ctr"/>
+            <a:r>
+              <a:rPr lang="en-US" sz="1050" b="1" dirty="0" err="1" smtClean="0">
+                <a:solidFill>
+                  <a:schemeClr val="accent6">
+                    <a:lumMod val="75000"/>
+                  </a:schemeClr>
+                </a:solidFill>
+              </a:rPr>
+              <a:t>XmlTaskBook</a:t>
+            </a:r>
+            <a:r>
+              <a:rPr lang="en-US" sz="1050" b="1" dirty="0" smtClean="0">
+                <a:solidFill>
+                  <a:schemeClr val="accent6">
+                    <a:lumMod val="75000"/>
+                  </a:schemeClr>
+                </a:solidFill>
+              </a:rPr>
+              <a:t/>
+            </a:r>
+            <a:br>
+              <a:rPr lang="en-US" sz="1050" b="1" dirty="0" smtClean="0">
+                <a:solidFill>
+                  <a:schemeClr val="accent6">
+                    <a:lumMod val="75000"/>
+                  </a:schemeClr>
+                </a:solidFill>
+              </a:rPr>
+            </a:br>
+            <a:r>
+              <a:rPr lang="en-US" sz="1050" b="1" dirty="0" smtClean="0">
+                <a:solidFill>
+                  <a:schemeClr val="accent6">
+                    <a:lumMod val="75000"/>
+                  </a:schemeClr>
+                </a:solidFill>
+              </a:rPr>
+              <a:t>Storage</a:t>
+            </a:r>
+            <a:endParaRPr lang="en-SG" sz="1050" b="1" dirty="0">
+              <a:solidFill>
+                <a:schemeClr val="accent6">
+                  <a:lumMod val="75000"/>
+                </a:schemeClr>
+              </a:solidFill>
+            </a:endParaRPr>
+          </a:p>
+        </p:txBody>
+      </p:sp>
+      <p:sp>
+        <p:nvSpPr>
+          <p:cNvPr id="91" name="Rectangle 8"/>
+          <p:cNvSpPr/>
+          <p:nvPr/>
+        </p:nvSpPr>
+        <p:spPr>
+          <a:xfrm>
+            <a:off x="5504478" y="2167762"/>
+            <a:ext cx="1200707" cy="346760"/>
+          </a:xfrm>
+          <a:prstGeom prst="rect">
+            <a:avLst/>
+          </a:prstGeom>
+          <a:ln w="19050"/>
+          <a:effectLst/>
+        </p:spPr>
+        <p:style>
+          <a:lnRef idx="1">
+            <a:schemeClr val="accent6"/>
+          </a:lnRef>
+          <a:fillRef idx="2">
+            <a:schemeClr val="accent6"/>
+          </a:fillRef>
+          <a:effectRef idx="1">
+            <a:schemeClr val="accent6"/>
+          </a:effectRef>
+          <a:fontRef idx="minor">
+            <a:schemeClr val="dk1"/>
+          </a:fontRef>
+        </p:style>
+        <p:txBody>
+          <a:bodyPr rtlCol="0" anchor="ctr"/>
+          <a:lstStyle/>
+          <a:p>
+            <a:pPr algn="ctr"/>
+            <a:r>
+              <a:rPr lang="en-US" sz="1050" b="1" dirty="0" err="1" smtClean="0">
+                <a:solidFill>
+                  <a:schemeClr val="accent6">
+                    <a:lumMod val="75000"/>
+                  </a:schemeClr>
+                </a:solidFill>
+              </a:rPr>
+              <a:t>XmlSerializable</a:t>
+            </a:r>
+            <a:r>
+              <a:rPr lang="en-US" sz="1050" b="1" dirty="0" smtClean="0">
+                <a:solidFill>
+                  <a:schemeClr val="accent6">
+                    <a:lumMod val="75000"/>
+                  </a:schemeClr>
+                </a:solidFill>
+              </a:rPr>
+              <a:t/>
+            </a:r>
+            <a:br>
+              <a:rPr lang="en-US" sz="1050" b="1" dirty="0" smtClean="0">
+                <a:solidFill>
+                  <a:schemeClr val="accent6">
+                    <a:lumMod val="75000"/>
+                  </a:schemeClr>
+                </a:solidFill>
+              </a:rPr>
+            </a:br>
+            <a:r>
+              <a:rPr lang="en-US" sz="1050" b="1" dirty="0" err="1" smtClean="0">
+                <a:solidFill>
+                  <a:schemeClr val="accent6">
+                    <a:lumMod val="75000"/>
+                  </a:schemeClr>
+                </a:solidFill>
+              </a:rPr>
+              <a:t>TaskBook</a:t>
+            </a:r>
+            <a:endParaRPr lang="en-SG" sz="1050" b="1" dirty="0">
+              <a:solidFill>
+                <a:schemeClr val="accent6">
+                  <a:lumMod val="75000"/>
+                </a:schemeClr>
+              </a:solidFill>
+            </a:endParaRPr>
+          </a:p>
+        </p:txBody>
+      </p:sp>
+      <p:sp>
+        <p:nvSpPr>
+          <p:cNvPr id="92" name="Rectangle 8"/>
+          <p:cNvSpPr/>
+          <p:nvPr/>
+        </p:nvSpPr>
+        <p:spPr>
+          <a:xfrm>
+            <a:off x="7099122" y="2683469"/>
+            <a:ext cx="1282877" cy="346760"/>
+          </a:xfrm>
+          <a:prstGeom prst="rect">
+            <a:avLst/>
+          </a:prstGeom>
+          <a:ln w="19050"/>
+          <a:effectLst/>
+        </p:spPr>
+        <p:style>
+          <a:lnRef idx="1">
+            <a:schemeClr val="accent6"/>
+          </a:lnRef>
+          <a:fillRef idx="2">
+            <a:schemeClr val="accent6"/>
+          </a:fillRef>
+          <a:effectRef idx="1">
+            <a:schemeClr val="accent6"/>
+          </a:effectRef>
+          <a:fontRef idx="minor">
+            <a:schemeClr val="dk1"/>
+          </a:fontRef>
+        </p:style>
+        <p:txBody>
+          <a:bodyPr rtlCol="0" anchor="ctr"/>
+          <a:lstStyle/>
+          <a:p>
+            <a:pPr algn="ctr"/>
+            <a:r>
+              <a:rPr lang="en-US" sz="1050" b="1" dirty="0" err="1" smtClean="0">
+                <a:solidFill>
+                  <a:schemeClr val="accent6">
+                    <a:lumMod val="75000"/>
+                  </a:schemeClr>
+                </a:solidFill>
+              </a:rPr>
+              <a:t>XmlAdaptedTag</a:t>
+            </a:r>
+            <a:endParaRPr lang="en-SG" sz="1050" b="1" dirty="0">
+              <a:solidFill>
+                <a:schemeClr val="accent6">
+                  <a:lumMod val="75000"/>
+                </a:schemeClr>
+              </a:solidFill>
+            </a:endParaRPr>
+          </a:p>
+        </p:txBody>
+      </p:sp>
+      <p:sp>
+        <p:nvSpPr>
+          <p:cNvPr id="93" name="Rectangle 8"/>
+          <p:cNvSpPr/>
+          <p:nvPr/>
+        </p:nvSpPr>
+        <p:spPr>
+          <a:xfrm>
+            <a:off x="5509620" y="2688413"/>
+            <a:ext cx="1195565" cy="346760"/>
+          </a:xfrm>
+          <a:prstGeom prst="rect">
+            <a:avLst/>
+          </a:prstGeom>
+          <a:ln w="19050"/>
+          <a:effectLst/>
+        </p:spPr>
+        <p:style>
+          <a:lnRef idx="1">
+            <a:schemeClr val="accent6"/>
+          </a:lnRef>
+          <a:fillRef idx="2">
+            <a:schemeClr val="accent6"/>
+          </a:fillRef>
+          <a:effectRef idx="1">
+            <a:schemeClr val="accent6"/>
+          </a:effectRef>
+          <a:fontRef idx="minor">
+            <a:schemeClr val="dk1"/>
+          </a:fontRef>
+        </p:style>
+        <p:txBody>
+          <a:bodyPr rtlCol="0" anchor="ctr"/>
+          <a:lstStyle/>
+          <a:p>
+            <a:pPr algn="ctr"/>
+            <a:r>
+              <a:rPr lang="en-US" sz="1050" b="1" dirty="0" err="1" smtClean="0">
+                <a:solidFill>
+                  <a:schemeClr val="accent6">
+                    <a:lumMod val="75000"/>
+                  </a:schemeClr>
+                </a:solidFill>
+              </a:rPr>
+              <a:t>XmlAdaptedTask</a:t>
+            </a:r>
+            <a:endParaRPr lang="en-SG" sz="1050" b="1" dirty="0">
+              <a:solidFill>
+                <a:schemeClr val="accent6">
+                  <a:lumMod val="75000"/>
+                </a:schemeClr>
+              </a:solidFill>
+            </a:endParaRPr>
+          </a:p>
+        </p:txBody>
+      </p:sp>
+      <p:cxnSp>
+        <p:nvCxnSpPr>
+          <p:cNvPr id="94" name="Elbow Connector 122"/>
+          <p:cNvCxnSpPr>
+            <a:stCxn id="91" idx="2"/>
+            <a:endCxn id="93" idx="0"/>
+          </p:cNvCxnSpPr>
+          <p:nvPr/>
+        </p:nvCxnSpPr>
+        <p:spPr>
+          <a:xfrm rot="16200000" flipH="1">
+            <a:off x="6019172" y="2600181"/>
+            <a:ext cx="173891" cy="2571"/>
+          </a:xfrm>
+          <a:prstGeom prst="bentConnector3">
+            <a:avLst>
+              <a:gd name="adj1" fmla="val 50000"/>
+            </a:avLst>
+          </a:prstGeom>
+          <a:ln w="19050">
+            <a:prstDash val="sysDot"/>
+            <a:headEnd type="none" w="med" len="med"/>
+            <a:tailEnd type="arrow" w="med" len="med"/>
+          </a:ln>
+          <a:effectLst/>
+        </p:spPr>
+        <p:style>
+          <a:lnRef idx="1">
+            <a:schemeClr val="accent6"/>
+          </a:lnRef>
+          <a:fillRef idx="2">
+            <a:schemeClr val="accent6"/>
+          </a:fillRef>
+          <a:effectRef idx="1">
+            <a:schemeClr val="accent6"/>
+          </a:effectRef>
+          <a:fontRef idx="minor">
+            <a:schemeClr val="dk1"/>
+          </a:fontRef>
+        </p:style>
+      </p:cxnSp>
+      <p:cxnSp>
+        <p:nvCxnSpPr>
+          <p:cNvPr id="95" name="Elbow Connector 122"/>
+          <p:cNvCxnSpPr>
+            <a:stCxn id="93" idx="3"/>
+            <a:endCxn id="92" idx="1"/>
+          </p:cNvCxnSpPr>
+          <p:nvPr/>
+        </p:nvCxnSpPr>
+        <p:spPr>
+          <a:xfrm flipV="1">
+            <a:off x="6705185" y="2856849"/>
+            <a:ext cx="393937" cy="4944"/>
+          </a:xfrm>
+          <a:prstGeom prst="bentConnector3">
+            <a:avLst>
+              <a:gd name="adj1" fmla="val 50000"/>
+            </a:avLst>
+          </a:prstGeom>
+          <a:ln w="19050">
+            <a:prstDash val="sysDot"/>
+            <a:headEnd type="none" w="med" len="med"/>
+            <a:tailEnd type="arrow" w="med" len="med"/>
+          </a:ln>
+          <a:effectLst/>
+        </p:spPr>
+        <p:style>
+          <a:lnRef idx="1">
+            <a:schemeClr val="accent6"/>
+          </a:lnRef>
+          <a:fillRef idx="2">
+            <a:schemeClr val="accent6"/>
+          </a:fillRef>
+          <a:effectRef idx="1">
+            <a:schemeClr val="accent6"/>
+          </a:effectRef>
+          <a:fontRef idx="minor">
+            <a:schemeClr val="dk1"/>
+          </a:fontRef>
+        </p:style>
+      </p:cxnSp>
+      <p:sp>
+        <p:nvSpPr>
+          <p:cNvPr id="107" name="Rectangle 8"/>
+          <p:cNvSpPr/>
+          <p:nvPr/>
+        </p:nvSpPr>
+        <p:spPr>
+          <a:xfrm>
+            <a:off x="2361858" y="2684210"/>
+            <a:ext cx="1323049" cy="346760"/>
+          </a:xfrm>
+          <a:prstGeom prst="rect">
+            <a:avLst/>
+          </a:prstGeom>
+          <a:solidFill>
+            <a:schemeClr val="accent6">
+              <a:lumMod val="75000"/>
+            </a:schemeClr>
+          </a:solidFill>
+          <a:ln w="19050">
+            <a:solidFill>
+              <a:schemeClr val="accent6">
+                <a:lumMod val="75000"/>
+              </a:schemeClr>
+            </a:solidFill>
+          </a:ln>
+          <a:effectLst/>
+        </p:spPr>
+        <p:style>
+          <a:lnRef idx="1">
+            <a:schemeClr val="accent2"/>
+          </a:lnRef>
+          <a:fillRef idx="2">
+            <a:schemeClr val="accent2"/>
+          </a:fillRef>
+          <a:effectRef idx="1">
+            <a:schemeClr val="accent2"/>
+          </a:effectRef>
+          <a:fontRef idx="minor">
+            <a:schemeClr val="dk1"/>
+          </a:fontRef>
+        </p:style>
+        <p:txBody>
+          <a:bodyPr rtlCol="0" anchor="ctr"/>
+          <a:lstStyle/>
+          <a:p>
+            <a:pPr algn="ctr"/>
+            <a:r>
+              <a:rPr lang="en-US" sz="1050" dirty="0" smtClean="0">
+                <a:solidFill>
+                  <a:schemeClr val="bg1"/>
+                </a:solidFill>
+              </a:rPr>
+              <a:t>&lt;&lt;interface&gt;&gt;</a:t>
+            </a:r>
+            <a:br>
+              <a:rPr lang="en-US" sz="1050" dirty="0" smtClean="0">
+                <a:solidFill>
+                  <a:schemeClr val="bg1"/>
+                </a:solidFill>
+              </a:rPr>
+            </a:br>
+            <a:r>
+              <a:rPr lang="en-US" sz="1050" dirty="0" err="1" smtClean="0">
+                <a:solidFill>
+                  <a:schemeClr val="bg1"/>
+                </a:solidFill>
+              </a:rPr>
+              <a:t>EventBookStorage</a:t>
+            </a:r>
+            <a:endParaRPr lang="en-SG" sz="1050" dirty="0">
+              <a:solidFill>
+                <a:schemeClr val="bg1"/>
+              </a:solidFill>
+            </a:endParaRPr>
+          </a:p>
+        </p:txBody>
+      </p:sp>
+      <p:cxnSp>
+        <p:nvCxnSpPr>
+          <p:cNvPr id="108" name="Straight Arrow Connector 107"/>
+          <p:cNvCxnSpPr>
+            <a:stCxn id="109" idx="3"/>
+            <a:endCxn id="107" idx="1"/>
+          </p:cNvCxnSpPr>
+          <p:nvPr/>
+        </p:nvCxnSpPr>
+        <p:spPr>
+          <a:xfrm>
+            <a:off x="2141048" y="2852306"/>
+            <a:ext cx="220810" cy="5284"/>
+          </a:xfrm>
+          <a:prstGeom prst="straightConnector1">
+            <a:avLst/>
+          </a:prstGeom>
+          <a:ln w="19050">
+            <a:solidFill>
+              <a:schemeClr val="accent6">
+                <a:lumMod val="75000"/>
+              </a:schemeClr>
+            </a:solidFill>
+            <a:headEnd type="none" w="med" len="med"/>
+            <a:tailEnd type="arrow" w="med" len="med"/>
+          </a:ln>
+          <a:effectLst/>
+        </p:spPr>
+        <p:style>
+          <a:lnRef idx="1">
+            <a:schemeClr val="accent2"/>
+          </a:lnRef>
+          <a:fillRef idx="2">
+            <a:schemeClr val="accent2"/>
+          </a:fillRef>
+          <a:effectRef idx="1">
+            <a:schemeClr val="accent2"/>
+          </a:effectRef>
+          <a:fontRef idx="minor">
+            <a:schemeClr val="dk1"/>
+          </a:fontRef>
+        </p:style>
+      </p:cxnSp>
+      <p:sp>
+        <p:nvSpPr>
+          <p:cNvPr id="109" name="Flowchart: Decision 96"/>
+          <p:cNvSpPr/>
+          <p:nvPr/>
+        </p:nvSpPr>
+        <p:spPr>
+          <a:xfrm>
+            <a:off x="1905000" y="2765616"/>
+            <a:ext cx="236048" cy="173380"/>
+          </a:xfrm>
+          <a:prstGeom prst="flowChartDecision">
+            <a:avLst/>
+          </a:prstGeom>
+          <a:noFill/>
+          <a:ln w="19050">
+            <a:solidFill>
+              <a:schemeClr val="accent6">
+                <a:lumMod val="75000"/>
+              </a:schemeClr>
+            </a:solidFill>
+          </a:ln>
+          <a:effectLst/>
+        </p:spPr>
+        <p:style>
+          <a:lnRef idx="1">
+            <a:schemeClr val="accent2"/>
+          </a:lnRef>
+          <a:fillRef idx="2">
+            <a:schemeClr val="accent2"/>
+          </a:fillRef>
+          <a:effectRef idx="1">
+            <a:schemeClr val="accent2"/>
+          </a:effectRef>
+          <a:fontRef idx="minor">
+            <a:schemeClr val="dk1"/>
+          </a:fontRef>
+        </p:style>
+        <p:txBody>
+          <a:bodyPr rtlCol="0" anchor="ctr"/>
+          <a:lstStyle/>
+          <a:p>
+            <a:pPr algn="ctr"/>
+            <a:endParaRPr lang="en-US" sz="1050">
+              <a:solidFill>
+                <a:schemeClr val="bg1"/>
+              </a:solidFill>
+            </a:endParaRPr>
+          </a:p>
+        </p:txBody>
+      </p:sp>
+      <p:cxnSp>
+        <p:nvCxnSpPr>
+          <p:cNvPr id="110" name="Elbow Connector 63"/>
+          <p:cNvCxnSpPr>
+            <a:stCxn id="111" idx="3"/>
+            <a:endCxn id="112" idx="1"/>
+          </p:cNvCxnSpPr>
+          <p:nvPr/>
+        </p:nvCxnSpPr>
+        <p:spPr>
+          <a:xfrm flipV="1">
+            <a:off x="3882719" y="2857590"/>
+            <a:ext cx="223324" cy="1"/>
+          </a:xfrm>
+          <a:prstGeom prst="bentConnector3">
+            <a:avLst>
+              <a:gd name="adj1" fmla="val 50000"/>
+            </a:avLst>
+          </a:prstGeom>
+          <a:ln w="19050">
+            <a:solidFill>
+              <a:schemeClr val="accent6">
+                <a:lumMod val="75000"/>
+              </a:schemeClr>
+            </a:solidFill>
+            <a:prstDash val="sysDot"/>
+            <a:headEnd type="none" w="med" len="med"/>
+            <a:tailEnd type="none" w="med" len="med"/>
+          </a:ln>
+          <a:effectLst/>
+        </p:spPr>
+        <p:style>
+          <a:lnRef idx="1">
+            <a:schemeClr val="accent2"/>
+          </a:lnRef>
+          <a:fillRef idx="2">
+            <a:schemeClr val="accent2"/>
+          </a:fillRef>
+          <a:effectRef idx="1">
+            <a:schemeClr val="accent2"/>
+          </a:effectRef>
+          <a:fontRef idx="minor">
+            <a:schemeClr val="dk1"/>
+          </a:fontRef>
+        </p:style>
+      </p:cxnSp>
+      <p:sp>
+        <p:nvSpPr>
+          <p:cNvPr id="111" name="Isosceles Triangle 102"/>
+          <p:cNvSpPr/>
+          <p:nvPr/>
+        </p:nvSpPr>
+        <p:spPr>
+          <a:xfrm rot="5400000" flipV="1">
+            <a:off x="3659705" y="2769829"/>
+            <a:ext cx="270504" cy="175523"/>
+          </a:xfrm>
+          <a:prstGeom prst="triangle">
+            <a:avLst/>
+          </a:prstGeom>
+          <a:solidFill>
+            <a:schemeClr val="accent6">
+              <a:lumMod val="75000"/>
+            </a:schemeClr>
+          </a:solidFill>
+          <a:ln w="19050">
+            <a:solidFill>
+              <a:schemeClr val="accent6">
+                <a:lumMod val="75000"/>
+              </a:schemeClr>
+            </a:solidFill>
+          </a:ln>
+          <a:effectLst/>
+        </p:spPr>
+        <p:style>
+          <a:lnRef idx="1">
+            <a:schemeClr val="accent2"/>
+          </a:lnRef>
+          <a:fillRef idx="2">
+            <a:schemeClr val="accent2"/>
+          </a:fillRef>
+          <a:effectRef idx="1">
+            <a:schemeClr val="accent2"/>
+          </a:effectRef>
+          <a:fontRef idx="minor">
+            <a:schemeClr val="dk1"/>
+          </a:fontRef>
+        </p:style>
+        <p:txBody>
+          <a:bodyPr rtlCol="0" anchor="ctr"/>
+          <a:lstStyle/>
+          <a:p>
+            <a:pPr algn="ctr"/>
+            <a:endParaRPr lang="en-SG" sz="1050">
+              <a:solidFill>
+                <a:schemeClr val="bg1"/>
+              </a:solidFill>
+            </a:endParaRPr>
+          </a:p>
+        </p:txBody>
+      </p:sp>
+      <p:sp>
+        <p:nvSpPr>
+          <p:cNvPr id="112" name="Rectangle 8"/>
+          <p:cNvSpPr/>
+          <p:nvPr/>
+        </p:nvSpPr>
+        <p:spPr>
+          <a:xfrm>
+            <a:off x="4106043" y="2684210"/>
+            <a:ext cx="1169835" cy="346760"/>
+          </a:xfrm>
+          <a:prstGeom prst="rect">
+            <a:avLst/>
+          </a:prstGeom>
+          <a:ln w="19050"/>
+          <a:effectLst/>
+        </p:spPr>
+        <p:style>
+          <a:lnRef idx="1">
+            <a:schemeClr val="accent6"/>
+          </a:lnRef>
+          <a:fillRef idx="2">
+            <a:schemeClr val="accent6"/>
+          </a:fillRef>
+          <a:effectRef idx="1">
+            <a:schemeClr val="accent6"/>
+          </a:effectRef>
+          <a:fontRef idx="minor">
+            <a:schemeClr val="dk1"/>
+          </a:fontRef>
+        </p:style>
+        <p:txBody>
+          <a:bodyPr rtlCol="0" anchor="ctr"/>
+          <a:lstStyle/>
+          <a:p>
+            <a:pPr algn="ctr"/>
+            <a:r>
+              <a:rPr lang="en-US" sz="1050" b="1" dirty="0" err="1" smtClean="0">
+                <a:solidFill>
+                  <a:schemeClr val="accent6">
+                    <a:lumMod val="75000"/>
+                  </a:schemeClr>
+                </a:solidFill>
+              </a:rPr>
+              <a:t>XmlEventBook</a:t>
+            </a:r>
+            <a:r>
+              <a:rPr lang="en-US" sz="1050" b="1" dirty="0" smtClean="0">
+                <a:solidFill>
+                  <a:schemeClr val="accent6">
+                    <a:lumMod val="75000"/>
+                  </a:schemeClr>
+                </a:solidFill>
+              </a:rPr>
+              <a:t/>
+            </a:r>
+            <a:br>
+              <a:rPr lang="en-US" sz="1050" b="1" dirty="0" smtClean="0">
+                <a:solidFill>
+                  <a:schemeClr val="accent6">
+                    <a:lumMod val="75000"/>
+                  </a:schemeClr>
+                </a:solidFill>
+              </a:rPr>
+            </a:br>
+            <a:r>
+              <a:rPr lang="en-US" sz="1050" b="1" dirty="0" smtClean="0">
+                <a:solidFill>
+                  <a:schemeClr val="accent6">
+                    <a:lumMod val="75000"/>
+                  </a:schemeClr>
+                </a:solidFill>
+              </a:rPr>
+              <a:t>Storage</a:t>
+            </a:r>
+            <a:endParaRPr lang="en-SG" sz="1050" b="1" dirty="0">
+              <a:solidFill>
+                <a:schemeClr val="accent6">
+                  <a:lumMod val="75000"/>
+                </a:schemeClr>
+              </a:solidFill>
+            </a:endParaRPr>
+          </a:p>
+        </p:txBody>
+      </p:sp>
+      <p:cxnSp>
+        <p:nvCxnSpPr>
+          <p:cNvPr id="113" name="Elbow Connector 122"/>
+          <p:cNvCxnSpPr>
+            <a:stCxn id="112" idx="2"/>
+            <a:endCxn id="114" idx="1"/>
+          </p:cNvCxnSpPr>
+          <p:nvPr/>
+        </p:nvCxnSpPr>
+        <p:spPr>
+          <a:xfrm rot="16200000" flipH="1">
+            <a:off x="4909507" y="2812423"/>
+            <a:ext cx="376424" cy="813517"/>
+          </a:xfrm>
+          <a:prstGeom prst="bentConnector2">
+            <a:avLst/>
+          </a:prstGeom>
+          <a:ln w="19050">
+            <a:solidFill>
+              <a:schemeClr val="accent6">
+                <a:lumMod val="75000"/>
+              </a:schemeClr>
+            </a:solidFill>
+            <a:prstDash val="sysDot"/>
+            <a:headEnd type="none" w="med" len="med"/>
+            <a:tailEnd type="arrow" w="med" len="med"/>
+          </a:ln>
+          <a:effectLst/>
+        </p:spPr>
+        <p:style>
+          <a:lnRef idx="1">
+            <a:schemeClr val="accent2"/>
+          </a:lnRef>
+          <a:fillRef idx="2">
+            <a:schemeClr val="accent2"/>
+          </a:fillRef>
+          <a:effectRef idx="1">
+            <a:schemeClr val="accent2"/>
+          </a:effectRef>
+          <a:fontRef idx="minor">
+            <a:schemeClr val="dk1"/>
+          </a:fontRef>
+        </p:style>
+      </p:cxnSp>
+      <p:sp>
+        <p:nvSpPr>
+          <p:cNvPr id="114" name="Rectangle 8"/>
+          <p:cNvSpPr/>
+          <p:nvPr/>
+        </p:nvSpPr>
+        <p:spPr>
+          <a:xfrm>
+            <a:off x="5504478" y="3234014"/>
+            <a:ext cx="1200707" cy="346760"/>
+          </a:xfrm>
+          <a:prstGeom prst="rect">
+            <a:avLst/>
+          </a:prstGeom>
+          <a:ln w="19050"/>
+          <a:effectLst/>
+        </p:spPr>
+        <p:style>
+          <a:lnRef idx="1">
+            <a:schemeClr val="accent6"/>
+          </a:lnRef>
+          <a:fillRef idx="2">
+            <a:schemeClr val="accent6"/>
+          </a:fillRef>
+          <a:effectRef idx="1">
+            <a:schemeClr val="accent6"/>
+          </a:effectRef>
+          <a:fontRef idx="minor">
+            <a:schemeClr val="dk1"/>
+          </a:fontRef>
+        </p:style>
+        <p:txBody>
+          <a:bodyPr rtlCol="0" anchor="ctr"/>
+          <a:lstStyle/>
+          <a:p>
+            <a:pPr algn="ctr"/>
+            <a:r>
+              <a:rPr lang="en-US" sz="1050" b="1" dirty="0" err="1">
+                <a:solidFill>
+                  <a:schemeClr val="accent6">
+                    <a:lumMod val="75000"/>
+                  </a:schemeClr>
+                </a:solidFill>
+              </a:rPr>
+              <a:t>XmlSerializableEventBook</a:t>
+            </a:r>
+            <a:endParaRPr lang="en-SG" sz="1050" b="1" dirty="0">
+              <a:solidFill>
+                <a:schemeClr val="accent6">
+                  <a:lumMod val="75000"/>
+                </a:schemeClr>
+              </a:solidFill>
+            </a:endParaRPr>
+          </a:p>
+        </p:txBody>
+      </p:sp>
+      <p:sp>
+        <p:nvSpPr>
+          <p:cNvPr id="115" name="Rectangle 8"/>
+          <p:cNvSpPr/>
+          <p:nvPr/>
+        </p:nvSpPr>
+        <p:spPr>
+          <a:xfrm>
+            <a:off x="7099122" y="3749721"/>
+            <a:ext cx="1282877" cy="346760"/>
+          </a:xfrm>
+          <a:prstGeom prst="rect">
+            <a:avLst/>
+          </a:prstGeom>
+          <a:ln w="19050"/>
+          <a:effectLst/>
+        </p:spPr>
+        <p:style>
+          <a:lnRef idx="1">
+            <a:schemeClr val="accent6"/>
+          </a:lnRef>
+          <a:fillRef idx="2">
+            <a:schemeClr val="accent6"/>
+          </a:fillRef>
+          <a:effectRef idx="1">
+            <a:schemeClr val="accent6"/>
+          </a:effectRef>
+          <a:fontRef idx="minor">
+            <a:schemeClr val="dk1"/>
+          </a:fontRef>
+        </p:style>
+        <p:txBody>
+          <a:bodyPr rtlCol="0" anchor="ctr"/>
+          <a:lstStyle/>
+          <a:p>
+            <a:pPr algn="ctr"/>
+            <a:r>
+              <a:rPr lang="en-US" sz="1050" b="1" dirty="0" err="1">
+                <a:solidFill>
+                  <a:schemeClr val="accent6">
+                    <a:lumMod val="75000"/>
+                  </a:schemeClr>
+                </a:solidFill>
+              </a:rPr>
+              <a:t>XmlAdaptedEventContact</a:t>
+            </a:r>
+            <a:endParaRPr lang="en-SG" sz="1050" b="1" dirty="0">
+              <a:solidFill>
+                <a:schemeClr val="accent6">
+                  <a:lumMod val="75000"/>
+                </a:schemeClr>
+              </a:solidFill>
+            </a:endParaRPr>
+          </a:p>
+        </p:txBody>
+      </p:sp>
+      <p:sp>
+        <p:nvSpPr>
+          <p:cNvPr id="116" name="Rectangle 8"/>
+          <p:cNvSpPr/>
+          <p:nvPr/>
+        </p:nvSpPr>
+        <p:spPr>
+          <a:xfrm>
+            <a:off x="5509620" y="3754665"/>
+            <a:ext cx="1195565" cy="346760"/>
+          </a:xfrm>
+          <a:prstGeom prst="rect">
+            <a:avLst/>
+          </a:prstGeom>
+          <a:ln w="19050"/>
+          <a:effectLst/>
+        </p:spPr>
+        <p:style>
+          <a:lnRef idx="1">
+            <a:schemeClr val="accent6"/>
+          </a:lnRef>
+          <a:fillRef idx="2">
+            <a:schemeClr val="accent6"/>
+          </a:fillRef>
+          <a:effectRef idx="1">
+            <a:schemeClr val="accent6"/>
+          </a:effectRef>
+          <a:fontRef idx="minor">
+            <a:schemeClr val="dk1"/>
+          </a:fontRef>
+        </p:style>
+        <p:txBody>
+          <a:bodyPr rtlCol="0" anchor="ctr"/>
+          <a:lstStyle/>
+          <a:p>
+            <a:pPr algn="ctr"/>
+            <a:r>
+              <a:rPr lang="en-US" sz="1050" b="1" dirty="0" err="1">
+                <a:solidFill>
+                  <a:schemeClr val="accent6">
+                    <a:lumMod val="75000"/>
+                  </a:schemeClr>
+                </a:solidFill>
+              </a:rPr>
+              <a:t>XmlAdaptedEvent</a:t>
+            </a:r>
+            <a:endParaRPr lang="en-SG" sz="1050" b="1" dirty="0">
+              <a:solidFill>
+                <a:schemeClr val="accent6">
+                  <a:lumMod val="75000"/>
+                </a:schemeClr>
+              </a:solidFill>
+            </a:endParaRPr>
+          </a:p>
+        </p:txBody>
+      </p:sp>
+      <p:cxnSp>
+        <p:nvCxnSpPr>
+          <p:cNvPr id="117" name="Elbow Connector 122"/>
+          <p:cNvCxnSpPr>
+            <a:stCxn id="114" idx="2"/>
+            <a:endCxn id="116" idx="0"/>
+          </p:cNvCxnSpPr>
+          <p:nvPr/>
+        </p:nvCxnSpPr>
+        <p:spPr>
+          <a:xfrm rot="16200000" flipH="1">
+            <a:off x="6019172" y="3666433"/>
+            <a:ext cx="173891" cy="2571"/>
+          </a:xfrm>
+          <a:prstGeom prst="bentConnector3">
+            <a:avLst>
+              <a:gd name="adj1" fmla="val 50000"/>
+            </a:avLst>
+          </a:prstGeom>
+          <a:ln w="19050">
+            <a:prstDash val="sysDot"/>
+            <a:headEnd type="none" w="med" len="med"/>
+            <a:tailEnd type="arrow" w="med" len="med"/>
+          </a:ln>
+          <a:effectLst/>
+        </p:spPr>
+        <p:style>
+          <a:lnRef idx="1">
+            <a:schemeClr val="accent6"/>
+          </a:lnRef>
+          <a:fillRef idx="2">
+            <a:schemeClr val="accent6"/>
+          </a:fillRef>
+          <a:effectRef idx="1">
+            <a:schemeClr val="accent6"/>
+          </a:effectRef>
+          <a:fontRef idx="minor">
+            <a:schemeClr val="dk1"/>
+          </a:fontRef>
+        </p:style>
+      </p:cxnSp>
+      <p:cxnSp>
+        <p:nvCxnSpPr>
+          <p:cNvPr id="121" name="Elbow Connector 122"/>
+          <p:cNvCxnSpPr>
+            <a:stCxn id="116" idx="3"/>
+            <a:endCxn id="115" idx="1"/>
+          </p:cNvCxnSpPr>
+          <p:nvPr/>
+        </p:nvCxnSpPr>
+        <p:spPr>
+          <a:xfrm flipV="1">
+            <a:off x="6705185" y="3923101"/>
+            <a:ext cx="393937" cy="4944"/>
           </a:xfrm>
           <a:prstGeom prst="bentConnector3">
             <a:avLst>
